--- a/lectures/9/1_Descriptive Statistics.pptx
+++ b/lectures/9/1_Descriptive Statistics.pptx
@@ -230,7 +230,7 @@
           <a:p>
             <a:fld id="{73B2889B-A0AC-4482-8592-5C96F2309420}" type="datetimeFigureOut">
               <a:rPr lang="en-US" smtClean="0"/>
-              <a:t>3/13/2022</a:t>
+              <a:t>3/12/2023</a:t>
             </a:fld>
             <a:endParaRPr lang="en-US"/>
           </a:p>
@@ -407,7 +407,7 @@
           <a:p>
             <a:fld id="{830EB223-FFC0-462A-A3B8-EAA7CE0F8CBD}" type="datetimeFigureOut">
               <a:rPr lang="en-US" smtClean="0"/>
-              <a:t>3/13/2022</a:t>
+              <a:t>3/12/2023</a:t>
             </a:fld>
             <a:endParaRPr lang="en-US" dirty="0"/>
           </a:p>
@@ -2010,6 +2010,12 @@
             </a:r>
           </a:p>
           <a:p>
+            <a:r>
+              <a:rPr lang="en-US" dirty="0"/>
+              <a:t>descriptive.xlsx</a:t>
+            </a:r>
+          </a:p>
+          <a:p>
             <a:endParaRPr lang="en-US" dirty="0"/>
           </a:p>
           <a:p>
@@ -2398,7 +2404,7 @@
           <a:p>
             <a:fld id="{0E2FF94F-CD9E-49B3-97DF-CC86F792D1FA}" type="datetime1">
               <a:rPr lang="en-US" smtClean="0"/>
-              <a:t>3/13/2022</a:t>
+              <a:t>3/12/2023</a:t>
             </a:fld>
             <a:endParaRPr lang="en-US" dirty="0"/>
           </a:p>
@@ -2600,7 +2606,7 @@
           <a:p>
             <a:fld id="{208FA4A2-251C-4EF0-A971-740CC58FCE9C}" type="datetime1">
               <a:rPr lang="en-US" smtClean="0"/>
-              <a:t>3/13/2022</a:t>
+              <a:t>3/12/2023</a:t>
             </a:fld>
             <a:endParaRPr lang="en-US" dirty="0"/>
           </a:p>
@@ -2812,7 +2818,7 @@
           <a:p>
             <a:fld id="{C678EE1E-8FD8-4E71-AB3E-D45737540CD6}" type="datetime1">
               <a:rPr lang="en-US" smtClean="0"/>
-              <a:t>3/13/2022</a:t>
+              <a:t>3/12/2023</a:t>
             </a:fld>
             <a:endParaRPr lang="en-US" dirty="0"/>
           </a:p>
@@ -3014,7 +3020,7 @@
           <a:p>
             <a:fld id="{16F7FEB1-C0EE-4522-8939-30B06393F211}" type="datetime1">
               <a:rPr lang="en-US" smtClean="0"/>
-              <a:t>3/13/2022</a:t>
+              <a:t>3/12/2023</a:t>
             </a:fld>
             <a:endParaRPr lang="en-US" dirty="0"/>
           </a:p>
@@ -3293,7 +3299,7 @@
           <a:p>
             <a:fld id="{B6B6C8D6-ABEC-44A2-9900-FBE34CC20117}" type="datetime1">
               <a:rPr lang="en-US" smtClean="0"/>
-              <a:t>3/13/2022</a:t>
+              <a:t>3/12/2023</a:t>
             </a:fld>
             <a:endParaRPr lang="en-US" dirty="0"/>
           </a:p>
@@ -3562,7 +3568,7 @@
           <a:p>
             <a:fld id="{A22B62C1-A375-4CE1-8027-A44B089026E7}" type="datetime1">
               <a:rPr lang="en-US" smtClean="0"/>
-              <a:t>3/13/2022</a:t>
+              <a:t>3/12/2023</a:t>
             </a:fld>
             <a:endParaRPr lang="en-US" dirty="0"/>
           </a:p>
@@ -3978,7 +3984,7 @@
           <a:p>
             <a:fld id="{2F5126A5-4E55-4EE3-935B-4AA72D21C744}" type="datetime1">
               <a:rPr lang="en-US" smtClean="0"/>
-              <a:t>3/13/2022</a:t>
+              <a:t>3/12/2023</a:t>
             </a:fld>
             <a:endParaRPr lang="en-US" dirty="0"/>
           </a:p>
@@ -4123,7 +4129,7 @@
           <a:p>
             <a:fld id="{D661DE8B-87BE-43B7-BE33-0CE077750BDC}" type="datetime1">
               <a:rPr lang="en-US" smtClean="0"/>
-              <a:t>3/13/2022</a:t>
+              <a:t>3/12/2023</a:t>
             </a:fld>
             <a:endParaRPr lang="en-US" dirty="0"/>
           </a:p>
@@ -4240,7 +4246,7 @@
           <a:p>
             <a:fld id="{B7A65B15-563B-4B3A-A86E-6FF46C24C326}" type="datetime1">
               <a:rPr lang="en-US" smtClean="0"/>
-              <a:t>3/13/2022</a:t>
+              <a:t>3/12/2023</a:t>
             </a:fld>
             <a:endParaRPr lang="en-US" dirty="0"/>
           </a:p>
@@ -4555,7 +4561,7 @@
           <a:p>
             <a:fld id="{E4E48E9E-4E9D-47B4-80E9-DC851FFB3ED2}" type="datetime1">
               <a:rPr lang="en-US" smtClean="0"/>
-              <a:t>3/13/2022</a:t>
+              <a:t>3/12/2023</a:t>
             </a:fld>
             <a:endParaRPr lang="en-US" dirty="0"/>
           </a:p>
@@ -4851,7 +4857,7 @@
           <a:p>
             <a:fld id="{62A96D92-520A-477A-BCC3-9BF5CE968574}" type="datetime1">
               <a:rPr lang="en-US" smtClean="0"/>
-              <a:t>3/13/2022</a:t>
+              <a:t>3/12/2023</a:t>
             </a:fld>
             <a:endParaRPr lang="en-US" dirty="0"/>
           </a:p>
@@ -5096,7 +5102,7 @@
           <a:p>
             <a:fld id="{508B6A8F-6872-4742-B301-1B6EC57DBF39}" type="datetime1">
               <a:rPr lang="en-US" smtClean="0"/>
-              <a:t>3/13/2022</a:t>
+              <a:t>3/12/2023</a:t>
             </a:fld>
             <a:endParaRPr lang="en-US" dirty="0"/>
           </a:p>
@@ -5652,14 +5658,14 @@
           <a:p>
             <a:pPr algn="l"/>
             <a:r>
-              <a:rPr lang="en-US"/>
-              <a:t>Get your name tag</a:t>
+              <a:rPr lang="en-US" dirty="0"/>
+              <a:t>Name tag</a:t>
             </a:r>
           </a:p>
           <a:p>
             <a:pPr algn="l"/>
             <a:r>
-              <a:rPr lang="en-US"/>
+              <a:rPr lang="en-US" dirty="0"/>
               <a:t>Check-in </a:t>
             </a:r>
           </a:p>
@@ -20512,14 +20518,6 @@
 </file>
 
 <file path=customXml/item1.xml><?xml version="1.0" encoding="utf-8"?>
-<p:properties xmlns:p="http://schemas.microsoft.com/office/2006/metadata/properties" xmlns:xsi="http://www.w3.org/2001/XMLSchema-instance" xmlns:pc="http://schemas.microsoft.com/office/infopath/2007/PartnerControls">
-  <documentManagement>
-    <MediaServiceKeyPoints xmlns="71af3243-3dd4-4a8d-8c0d-dd76da1f02a5" xsi:nil="true"/>
-  </documentManagement>
-</p:properties>
-</file>
-
-<file path=customXml/item2.xml><?xml version="1.0" encoding="utf-8"?>
 <ct:contentTypeSchema xmlns:ct="http://schemas.microsoft.com/office/2006/metadata/contentType" xmlns:ma="http://schemas.microsoft.com/office/2006/metadata/properties/metaAttributes" ct:_="" ma:_="" ma:contentTypeName="Document" ma:contentTypeID="0x01010079F111ED35F8CC479449609E8A0923A6" ma:contentTypeVersion="11" ma:contentTypeDescription="Create a new document." ma:contentTypeScope="" ma:versionID="96291512c1ee715ab617f4c07df79fc1">
   <xsd:schema xmlns:xsd="http://www.w3.org/2001/XMLSchema" xmlns:xs="http://www.w3.org/2001/XMLSchema" xmlns:p="http://schemas.microsoft.com/office/2006/metadata/properties" xmlns:ns2="71af3243-3dd4-4a8d-8c0d-dd76da1f02a5" xmlns:ns3="16c05727-aa75-4e4a-9b5f-8a80a1165891" targetNamespace="http://schemas.microsoft.com/office/2006/metadata/properties" ma:root="true" ma:fieldsID="8256c27c40ca5c40ce1cf6c44f0205df" ns2:_="" ns3:_="">
     <xsd:import namespace="71af3243-3dd4-4a8d-8c0d-dd76da1f02a5"/>
@@ -20730,6 +20728,14 @@
 </ct:contentTypeSchema>
 </file>
 
+<file path=customXml/item2.xml><?xml version="1.0" encoding="utf-8"?>
+<p:properties xmlns:p="http://schemas.microsoft.com/office/2006/metadata/properties" xmlns:xsi="http://www.w3.org/2001/XMLSchema-instance" xmlns:pc="http://schemas.microsoft.com/office/infopath/2007/PartnerControls">
+  <documentManagement>
+    <MediaServiceKeyPoints xmlns="71af3243-3dd4-4a8d-8c0d-dd76da1f02a5" xsi:nil="true"/>
+  </documentManagement>
+</p:properties>
+</file>
+
 <file path=customXml/item3.xml><?xml version="1.0" encoding="utf-8"?>
 <?mso-contentType ?>
 <FormTemplates xmlns="http://schemas.microsoft.com/sharepoint/v3/contenttype/forms">
@@ -20740,16 +20746,6 @@
 </file>
 
 <file path=customXml/itemProps1.xml><?xml version="1.0" encoding="utf-8"?>
-<ds:datastoreItem xmlns:ds="http://schemas.openxmlformats.org/officeDocument/2006/customXml" ds:itemID="{03C7D9E6-B0D9-433E-BD46-EB60F64F4DA8}">
-  <ds:schemaRefs>
-    <ds:schemaRef ds:uri="http://schemas.microsoft.com/office/2006/metadata/properties"/>
-    <ds:schemaRef ds:uri="http://schemas.microsoft.com/office/infopath/2007/PartnerControls"/>
-    <ds:schemaRef ds:uri="71af3243-3dd4-4a8d-8c0d-dd76da1f02a5"/>
-  </ds:schemaRefs>
-</ds:datastoreItem>
-</file>
-
-<file path=customXml/itemProps2.xml><?xml version="1.0" encoding="utf-8"?>
 <ds:datastoreItem xmlns:ds="http://schemas.openxmlformats.org/officeDocument/2006/customXml" ds:itemID="{B2AB02E3-5ADF-4BF0-9C1B-35CDF3FE95B0}">
   <ds:schemaRefs>
     <ds:schemaRef ds:uri="http://schemas.microsoft.com/office/2006/metadata/contentType"/>
@@ -20768,6 +20764,16 @@
 </ds:datastoreItem>
 </file>
 
+<file path=customXml/itemProps2.xml><?xml version="1.0" encoding="utf-8"?>
+<ds:datastoreItem xmlns:ds="http://schemas.openxmlformats.org/officeDocument/2006/customXml" ds:itemID="{03C7D9E6-B0D9-433E-BD46-EB60F64F4DA8}">
+  <ds:schemaRefs>
+    <ds:schemaRef ds:uri="http://schemas.microsoft.com/office/2006/metadata/properties"/>
+    <ds:schemaRef ds:uri="http://schemas.microsoft.com/office/infopath/2007/PartnerControls"/>
+    <ds:schemaRef ds:uri="71af3243-3dd4-4a8d-8c0d-dd76da1f02a5"/>
+  </ds:schemaRefs>
+</ds:datastoreItem>
+</file>
+
 <file path=customXml/itemProps3.xml><?xml version="1.0" encoding="utf-8"?>
 <ds:datastoreItem xmlns:ds="http://schemas.openxmlformats.org/officeDocument/2006/customXml" ds:itemID="{5CA875DA-F9FD-4F83-A049-3B1027B542DE}">
   <ds:schemaRefs>
